--- a/docs/Mid_report/Mid_report.pptx
+++ b/docs/Mid_report/Mid_report.pptx
@@ -4,30 +4,33 @@
   <p:sldMasterIdLst>
     <p:sldMasterId id="2147483648" r:id="rId1"/>
   </p:sldMasterIdLst>
+  <p:notesMasterIdLst>
+    <p:notesMasterId r:id="rId7"/>
+  </p:notesMasterIdLst>
   <p:sldIdLst>
     <p:sldId id="256" r:id="rId3"/>
     <p:sldId id="257" r:id="rId4"/>
     <p:sldId id="258" r:id="rId5"/>
     <p:sldId id="260" r:id="rId6"/>
-    <p:sldId id="261" r:id="rId7"/>
-    <p:sldId id="262" r:id="rId8"/>
-    <p:sldId id="263" r:id="rId9"/>
-    <p:sldId id="264" r:id="rId10"/>
-    <p:sldId id="265" r:id="rId11"/>
-    <p:sldId id="266" r:id="rId12"/>
-    <p:sldId id="267" r:id="rId13"/>
-    <p:sldId id="268" r:id="rId14"/>
-    <p:sldId id="269" r:id="rId15"/>
-    <p:sldId id="270" r:id="rId16"/>
-    <p:sldId id="271" r:id="rId17"/>
-    <p:sldId id="272" r:id="rId18"/>
-    <p:sldId id="273" r:id="rId19"/>
-    <p:sldId id="274" r:id="rId20"/>
-    <p:sldId id="275" r:id="rId21"/>
-    <p:sldId id="276" r:id="rId22"/>
-    <p:sldId id="277" r:id="rId23"/>
-    <p:sldId id="278" r:id="rId24"/>
-    <p:sldId id="279" r:id="rId25"/>
+    <p:sldId id="261" r:id="rId8"/>
+    <p:sldId id="262" r:id="rId9"/>
+    <p:sldId id="263" r:id="rId10"/>
+    <p:sldId id="264" r:id="rId11"/>
+    <p:sldId id="265" r:id="rId12"/>
+    <p:sldId id="266" r:id="rId13"/>
+    <p:sldId id="267" r:id="rId14"/>
+    <p:sldId id="268" r:id="rId15"/>
+    <p:sldId id="269" r:id="rId16"/>
+    <p:sldId id="270" r:id="rId17"/>
+    <p:sldId id="271" r:id="rId18"/>
+    <p:sldId id="272" r:id="rId19"/>
+    <p:sldId id="273" r:id="rId20"/>
+    <p:sldId id="274" r:id="rId21"/>
+    <p:sldId id="275" r:id="rId22"/>
+    <p:sldId id="276" r:id="rId23"/>
+    <p:sldId id="277" r:id="rId24"/>
+    <p:sldId id="278" r:id="rId25"/>
+    <p:sldId id="279" r:id="rId26"/>
   </p:sldIdLst>
   <p:sldSz cx="9741535" cy="6858000"/>
   <p:notesSz cx="6858000" cy="9144000"/>
@@ -127,6 +130,1337 @@
     </a:lvl9pPr>
   </p:defaultTextStyle>
 </p:presentation>
+</file>
+
+<file path=ppt/notesMasters/notesMaster1.xml><?xml version="1.0" encoding="utf-8"?>
+<p:notesMaster xmlns:a="http://schemas.openxmlformats.org/drawingml/2006/main" xmlns:r="http://schemas.openxmlformats.org/officeDocument/2006/relationships" xmlns:p="http://schemas.openxmlformats.org/presentationml/2006/main">
+  <p:cSld>
+    <p:bg>
+      <p:bgRef idx="1001">
+        <a:schemeClr val="bg1"/>
+      </p:bgRef>
+    </p:bg>
+    <p:spTree>
+      <p:nvGrpSpPr>
+        <p:cNvPr id="1" name=""/>
+        <p:cNvGrpSpPr/>
+        <p:nvPr/>
+      </p:nvGrpSpPr>
+      <p:grpSpPr>
+        <a:xfrm>
+          <a:off x="0" y="0"/>
+          <a:ext cx="0" cy="0"/>
+          <a:chOff x="0" y="0"/>
+          <a:chExt cx="0" cy="0"/>
+        </a:xfrm>
+      </p:grpSpPr>
+      <p:sp>
+        <p:nvSpPr>
+          <p:cNvPr id="2" name="页眉占位符 1"/>
+          <p:cNvSpPr>
+            <a:spLocks noGrp="1"/>
+          </p:cNvSpPr>
+          <p:nvPr>
+            <p:ph type="hdr" sz="quarter"/>
+          </p:nvPr>
+        </p:nvSpPr>
+        <p:spPr>
+          <a:xfrm>
+            <a:off x="0" y="0"/>
+            <a:ext cx="2971800" cy="458788"/>
+          </a:xfrm>
+          <a:prstGeom prst="rect">
+            <a:avLst/>
+          </a:prstGeom>
+        </p:spPr>
+        <p:txBody>
+          <a:bodyPr vert="horz" lIns="91440" tIns="45720" rIns="91440" bIns="45720" rtlCol="0"/>
+          <a:lstStyle>
+            <a:lvl1pPr algn="l">
+              <a:defRPr sz="1200"/>
+            </a:lvl1pPr>
+          </a:lstStyle>
+          <a:p>
+            <a:endParaRPr lang="zh-CN" altLang="en-US"/>
+          </a:p>
+        </p:txBody>
+      </p:sp>
+      <p:sp>
+        <p:nvSpPr>
+          <p:cNvPr id="3" name="日期占位符 2"/>
+          <p:cNvSpPr>
+            <a:spLocks noGrp="1"/>
+          </p:cNvSpPr>
+          <p:nvPr>
+            <p:ph type="dt" idx="1"/>
+          </p:nvPr>
+        </p:nvSpPr>
+        <p:spPr>
+          <a:xfrm>
+            <a:off x="3884613" y="0"/>
+            <a:ext cx="2971800" cy="458788"/>
+          </a:xfrm>
+          <a:prstGeom prst="rect">
+            <a:avLst/>
+          </a:prstGeom>
+        </p:spPr>
+        <p:txBody>
+          <a:bodyPr vert="horz" lIns="91440" tIns="45720" rIns="91440" bIns="45720" rtlCol="0"/>
+          <a:lstStyle>
+            <a:lvl1pPr algn="r">
+              <a:defRPr sz="1200"/>
+            </a:lvl1pPr>
+          </a:lstStyle>
+          <a:p>
+            <a:fld id="{D2A48B96-639E-45A3-A0BA-2464DFDB1FAA}" type="datetimeFigureOut">
+              <a:rPr lang="zh-CN" altLang="en-US" smtClean="0"/>
+            </a:fld>
+            <a:endParaRPr lang="zh-CN" altLang="en-US"/>
+          </a:p>
+        </p:txBody>
+      </p:sp>
+      <p:sp>
+        <p:nvSpPr>
+          <p:cNvPr id="4" name="幻灯片图像占位符 3"/>
+          <p:cNvSpPr>
+            <a:spLocks noGrp="1" noRot="1" noChangeAspect="1"/>
+          </p:cNvSpPr>
+          <p:nvPr>
+            <p:ph type="sldImg" idx="2"/>
+          </p:nvPr>
+        </p:nvSpPr>
+        <p:spPr>
+          <a:xfrm>
+            <a:off x="1237155" y="1143000"/>
+            <a:ext cx="4383691" cy="3086100"/>
+          </a:xfrm>
+          <a:prstGeom prst="rect">
+            <a:avLst/>
+          </a:prstGeom>
+          <a:noFill/>
+          <a:ln w="12700">
+            <a:solidFill>
+              <a:prstClr val="black"/>
+            </a:solidFill>
+          </a:ln>
+        </p:spPr>
+        <p:txBody>
+          <a:bodyPr vert="horz" lIns="91440" tIns="45720" rIns="91440" bIns="45720" rtlCol="0" anchor="ctr"/>
+          <a:lstStyle/>
+          <a:p>
+            <a:endParaRPr lang="zh-CN" altLang="en-US"/>
+          </a:p>
+        </p:txBody>
+      </p:sp>
+      <p:sp>
+        <p:nvSpPr>
+          <p:cNvPr id="5" name="备注占位符 4"/>
+          <p:cNvSpPr>
+            <a:spLocks noGrp="1"/>
+          </p:cNvSpPr>
+          <p:nvPr>
+            <p:ph type="body" sz="quarter" idx="3"/>
+          </p:nvPr>
+        </p:nvSpPr>
+        <p:spPr>
+          <a:xfrm>
+            <a:off x="685800" y="4400550"/>
+            <a:ext cx="5486400" cy="3600450"/>
+          </a:xfrm>
+          <a:prstGeom prst="rect">
+            <a:avLst/>
+          </a:prstGeom>
+        </p:spPr>
+        <p:txBody>
+          <a:bodyPr vert="horz" lIns="91440" tIns="45720" rIns="91440" bIns="45720" rtlCol="0"/>
+          <a:lstStyle/>
+          <a:p>
+            <a:pPr lvl="0"/>
+            <a:r>
+              <a:rPr lang="zh-CN" altLang="en-US" smtClean="0"/>
+              <a:t>单击此处编辑母版文本样式</a:t>
+            </a:r>
+            <a:endParaRPr lang="zh-CN" altLang="en-US" smtClean="0"/>
+          </a:p>
+          <a:p>
+            <a:pPr lvl="1"/>
+            <a:r>
+              <a:rPr lang="zh-CN" altLang="en-US" smtClean="0"/>
+              <a:t>第二级</a:t>
+            </a:r>
+            <a:endParaRPr lang="zh-CN" altLang="en-US" smtClean="0"/>
+          </a:p>
+          <a:p>
+            <a:pPr lvl="2"/>
+            <a:r>
+              <a:rPr lang="zh-CN" altLang="en-US" smtClean="0"/>
+              <a:t>第三级</a:t>
+            </a:r>
+            <a:endParaRPr lang="zh-CN" altLang="en-US" smtClean="0"/>
+          </a:p>
+          <a:p>
+            <a:pPr lvl="3"/>
+            <a:r>
+              <a:rPr lang="zh-CN" altLang="en-US" smtClean="0"/>
+              <a:t>第四级</a:t>
+            </a:r>
+            <a:endParaRPr lang="zh-CN" altLang="en-US" smtClean="0"/>
+          </a:p>
+          <a:p>
+            <a:pPr lvl="4"/>
+            <a:r>
+              <a:rPr lang="zh-CN" altLang="en-US" smtClean="0"/>
+              <a:t>第五级</a:t>
+            </a:r>
+            <a:endParaRPr lang="zh-CN" altLang="en-US"/>
+          </a:p>
+        </p:txBody>
+      </p:sp>
+      <p:sp>
+        <p:nvSpPr>
+          <p:cNvPr id="6" name="页脚占位符 5"/>
+          <p:cNvSpPr>
+            <a:spLocks noGrp="1"/>
+          </p:cNvSpPr>
+          <p:nvPr>
+            <p:ph type="ftr" sz="quarter" idx="4"/>
+          </p:nvPr>
+        </p:nvSpPr>
+        <p:spPr>
+          <a:xfrm>
+            <a:off x="0" y="8685213"/>
+            <a:ext cx="2971800" cy="458787"/>
+          </a:xfrm>
+          <a:prstGeom prst="rect">
+            <a:avLst/>
+          </a:prstGeom>
+        </p:spPr>
+        <p:txBody>
+          <a:bodyPr vert="horz" lIns="91440" tIns="45720" rIns="91440" bIns="45720" rtlCol="0" anchor="b"/>
+          <a:lstStyle>
+            <a:lvl1pPr algn="l">
+              <a:defRPr sz="1200"/>
+            </a:lvl1pPr>
+          </a:lstStyle>
+          <a:p>
+            <a:endParaRPr lang="zh-CN" altLang="en-US"/>
+          </a:p>
+        </p:txBody>
+      </p:sp>
+      <p:sp>
+        <p:nvSpPr>
+          <p:cNvPr id="7" name="灯片编号占位符 6"/>
+          <p:cNvSpPr>
+            <a:spLocks noGrp="1"/>
+          </p:cNvSpPr>
+          <p:nvPr>
+            <p:ph type="sldNum" sz="quarter" idx="5"/>
+          </p:nvPr>
+        </p:nvSpPr>
+        <p:spPr>
+          <a:xfrm>
+            <a:off x="3884613" y="8685213"/>
+            <a:ext cx="2971800" cy="458787"/>
+          </a:xfrm>
+          <a:prstGeom prst="rect">
+            <a:avLst/>
+          </a:prstGeom>
+        </p:spPr>
+        <p:txBody>
+          <a:bodyPr vert="horz" lIns="91440" tIns="45720" rIns="91440" bIns="45720" rtlCol="0" anchor="b"/>
+          <a:lstStyle>
+            <a:lvl1pPr algn="r">
+              <a:defRPr sz="1200"/>
+            </a:lvl1pPr>
+          </a:lstStyle>
+          <a:p>
+            <a:fld id="{A6837353-30EB-4A48-80EB-173D804AEFBD}" type="slidenum">
+              <a:rPr lang="zh-CN" altLang="en-US" smtClean="0"/>
+            </a:fld>
+            <a:endParaRPr lang="zh-CN" altLang="en-US"/>
+          </a:p>
+        </p:txBody>
+      </p:sp>
+    </p:spTree>
+  </p:cSld>
+  <p:clrMap bg1="lt1" tx1="dk1" bg2="lt2" tx2="dk2" accent1="accent1" accent2="accent2" accent3="accent3" accent4="accent4" accent5="accent5" accent6="accent6" hlink="hlink" folHlink="folHlink"/>
+  <p:notesStyle>
+    <a:lvl1pPr marL="0" algn="l" defTabSz="914400" rtl="0" eaLnBrk="1" latinLnBrk="0" hangingPunct="1">
+      <a:defRPr sz="1200" kern="1200">
+        <a:solidFill>
+          <a:schemeClr val="tx1"/>
+        </a:solidFill>
+        <a:latin typeface="+mn-lt"/>
+        <a:ea typeface="+mn-ea"/>
+        <a:cs typeface="+mn-cs"/>
+      </a:defRPr>
+    </a:lvl1pPr>
+    <a:lvl2pPr marL="457200" algn="l" defTabSz="914400" rtl="0" eaLnBrk="1" latinLnBrk="0" hangingPunct="1">
+      <a:defRPr sz="1200" kern="1200">
+        <a:solidFill>
+          <a:schemeClr val="tx1"/>
+        </a:solidFill>
+        <a:latin typeface="+mn-lt"/>
+        <a:ea typeface="+mn-ea"/>
+        <a:cs typeface="+mn-cs"/>
+      </a:defRPr>
+    </a:lvl2pPr>
+    <a:lvl3pPr marL="914400" algn="l" defTabSz="914400" rtl="0" eaLnBrk="1" latinLnBrk="0" hangingPunct="1">
+      <a:defRPr sz="1200" kern="1200">
+        <a:solidFill>
+          <a:schemeClr val="tx1"/>
+        </a:solidFill>
+        <a:latin typeface="+mn-lt"/>
+        <a:ea typeface="+mn-ea"/>
+        <a:cs typeface="+mn-cs"/>
+      </a:defRPr>
+    </a:lvl3pPr>
+    <a:lvl4pPr marL="1371600" algn="l" defTabSz="914400" rtl="0" eaLnBrk="1" latinLnBrk="0" hangingPunct="1">
+      <a:defRPr sz="1200" kern="1200">
+        <a:solidFill>
+          <a:schemeClr val="tx1"/>
+        </a:solidFill>
+        <a:latin typeface="+mn-lt"/>
+        <a:ea typeface="+mn-ea"/>
+        <a:cs typeface="+mn-cs"/>
+      </a:defRPr>
+    </a:lvl4pPr>
+    <a:lvl5pPr marL="1828800" algn="l" defTabSz="914400" rtl="0" eaLnBrk="1" latinLnBrk="0" hangingPunct="1">
+      <a:defRPr sz="1200" kern="1200">
+        <a:solidFill>
+          <a:schemeClr val="tx1"/>
+        </a:solidFill>
+        <a:latin typeface="+mn-lt"/>
+        <a:ea typeface="+mn-ea"/>
+        <a:cs typeface="+mn-cs"/>
+      </a:defRPr>
+    </a:lvl5pPr>
+    <a:lvl6pPr marL="2286000" algn="l" defTabSz="914400" rtl="0" eaLnBrk="1" latinLnBrk="0" hangingPunct="1">
+      <a:defRPr sz="1200" kern="1200">
+        <a:solidFill>
+          <a:schemeClr val="tx1"/>
+        </a:solidFill>
+        <a:latin typeface="+mn-lt"/>
+        <a:ea typeface="+mn-ea"/>
+        <a:cs typeface="+mn-cs"/>
+      </a:defRPr>
+    </a:lvl6pPr>
+    <a:lvl7pPr marL="2743200" algn="l" defTabSz="914400" rtl="0" eaLnBrk="1" latinLnBrk="0" hangingPunct="1">
+      <a:defRPr sz="1200" kern="1200">
+        <a:solidFill>
+          <a:schemeClr val="tx1"/>
+        </a:solidFill>
+        <a:latin typeface="+mn-lt"/>
+        <a:ea typeface="+mn-ea"/>
+        <a:cs typeface="+mn-cs"/>
+      </a:defRPr>
+    </a:lvl7pPr>
+    <a:lvl8pPr marL="3200400" algn="l" defTabSz="914400" rtl="0" eaLnBrk="1" latinLnBrk="0" hangingPunct="1">
+      <a:defRPr sz="1200" kern="1200">
+        <a:solidFill>
+          <a:schemeClr val="tx1"/>
+        </a:solidFill>
+        <a:latin typeface="+mn-lt"/>
+        <a:ea typeface="+mn-ea"/>
+        <a:cs typeface="+mn-cs"/>
+      </a:defRPr>
+    </a:lvl8pPr>
+    <a:lvl9pPr marL="3657600" algn="l" defTabSz="914400" rtl="0" eaLnBrk="1" latinLnBrk="0" hangingPunct="1">
+      <a:defRPr sz="1200" kern="1200">
+        <a:solidFill>
+          <a:schemeClr val="tx1"/>
+        </a:solidFill>
+        <a:latin typeface="+mn-lt"/>
+        <a:ea typeface="+mn-ea"/>
+        <a:cs typeface="+mn-cs"/>
+      </a:defRPr>
+    </a:lvl9pPr>
+  </p:notesStyle>
+</p:notesMaster>
+</file>
+
+<file path=ppt/notesSlides/notesSlide1.xml><?xml version="1.0" encoding="utf-8"?>
+<p:notes xmlns:a="http://schemas.openxmlformats.org/drawingml/2006/main" xmlns:r="http://schemas.openxmlformats.org/officeDocument/2006/relationships" xmlns:p="http://schemas.openxmlformats.org/presentationml/2006/main">
+  <p:cSld>
+    <p:spTree>
+      <p:nvGrpSpPr>
+        <p:cNvPr id="1" name=""/>
+        <p:cNvGrpSpPr/>
+        <p:nvPr/>
+      </p:nvGrpSpPr>
+      <p:grpSpPr/>
+      <p:sp>
+        <p:nvSpPr>
+          <p:cNvPr id="2" name="幻灯片图像占位符 1"/>
+          <p:cNvSpPr>
+            <a:spLocks noGrp="1"/>
+          </p:cNvSpPr>
+          <p:nvPr>
+            <p:ph type="sldImg" idx="2"/>
+          </p:nvPr>
+        </p:nvSpPr>
+        <p:spPr/>
+      </p:sp>
+      <p:sp>
+        <p:nvSpPr>
+          <p:cNvPr id="3" name="文本占位符 2"/>
+          <p:cNvSpPr>
+            <a:spLocks noGrp="1"/>
+          </p:cNvSpPr>
+          <p:nvPr>
+            <p:ph type="body" idx="3"/>
+          </p:nvPr>
+        </p:nvSpPr>
+        <p:spPr/>
+        <p:txBody>
+          <a:bodyPr/>
+          <a:p>
+            <a:r>
+              <a:rPr lang="en-US" altLang="zh-CN"/>
+              <a:t>FreeRTOS </a:t>
+            </a:r>
+            <a:r>
+              <a:rPr lang="zh-CN" altLang="en-US"/>
+              <a:t>是一个轻量级的实时操作系统。</a:t>
+            </a:r>
+            <a:r>
+              <a:rPr lang="en-US" altLang="zh-CN"/>
+              <a:t> </a:t>
+            </a:r>
+            <a:r>
+              <a:rPr lang="zh-CN" altLang="en-US"/>
+              <a:t>实时操作系统</a:t>
+            </a:r>
+            <a:r>
+              <a:rPr lang="en-US" altLang="zh-CN"/>
+              <a:t> (RTOS) </a:t>
+            </a:r>
+            <a:r>
+              <a:rPr lang="zh-CN" altLang="en-US"/>
+              <a:t>是一种体积小巧、确定性强的计算机操作系统。</a:t>
+            </a:r>
+            <a:r>
+              <a:rPr lang="en-US" altLang="zh-CN"/>
+              <a:t> RTOS </a:t>
+            </a:r>
+            <a:r>
+              <a:rPr lang="zh-CN" altLang="en-US"/>
+              <a:t>通常用于需要在严格时间限制内对外部事件做出反应的嵌入式系统，如医疗设备和汽车电子控制单元</a:t>
+            </a:r>
+            <a:r>
+              <a:rPr lang="en-US" altLang="zh-CN"/>
+              <a:t> (ECU)</a:t>
+            </a:r>
+            <a:r>
+              <a:rPr lang="zh-CN" altLang="en-US"/>
+              <a:t>。</a:t>
+            </a:r>
+            <a:r>
+              <a:rPr lang="en-US" altLang="zh-CN"/>
+              <a:t> </a:t>
+            </a:r>
+            <a:r>
+              <a:rPr lang="zh-CN" altLang="en-US"/>
+              <a:t>通常，此类嵌入式系统中只有一两项功能需要确定性时序，即使嵌入式系统不需要严格的实时反应，使用</a:t>
+            </a:r>
+            <a:r>
+              <a:rPr lang="en-US" altLang="zh-CN"/>
+              <a:t> RTOS </a:t>
+            </a:r>
+            <a:r>
+              <a:rPr lang="zh-CN" altLang="en-US"/>
+              <a:t>仍能提供诸多优势。支持多任务处理与并发，调度与实时调度等操作系统功能。由于</a:t>
+            </a:r>
+            <a:r>
+              <a:rPr lang="en-US" altLang="zh-CN"/>
+              <a:t> RTOS </a:t>
+            </a:r>
+            <a:r>
+              <a:rPr lang="zh-CN" altLang="en-US"/>
+              <a:t>确保了系统的实时性和可靠性</a:t>
+            </a:r>
+            <a:r>
+              <a:rPr lang="en-US" altLang="zh-CN"/>
+              <a:t>,</a:t>
+            </a:r>
+            <a:r>
+              <a:rPr lang="zh-CN" altLang="en-US"/>
+              <a:t>所以更应该用在对时间要求有限制的嵌入式设备中</a:t>
+            </a:r>
+            <a:r>
+              <a:rPr lang="en-US" altLang="zh-CN"/>
+              <a:t>(</a:t>
+            </a:r>
+            <a:r>
+              <a:rPr lang="zh-CN" altLang="en-US"/>
+              <a:t>如工业控制系统</a:t>
+            </a:r>
+            <a:r>
+              <a:rPr lang="en-US" altLang="zh-CN"/>
+              <a:t>,</a:t>
+            </a:r>
+            <a:r>
+              <a:rPr lang="zh-CN" altLang="en-US"/>
+              <a:t>家用电器系统</a:t>
+            </a:r>
+            <a:r>
+              <a:rPr lang="en-US" altLang="zh-CN"/>
+              <a:t>,</a:t>
+            </a:r>
+            <a:r>
+              <a:rPr lang="zh-CN" altLang="en-US"/>
+              <a:t>物联网系统等</a:t>
+            </a:r>
+            <a:r>
+              <a:rPr lang="en-US" altLang="zh-CN"/>
+              <a:t>) FreeRTOS</a:t>
+            </a:r>
+            <a:r>
+              <a:rPr lang="zh-CN" altLang="en-US"/>
+              <a:t>功能包括：任务管理、时间管理、信号量、消息队列、内存管理、记录功能、软件定时器、协程等，可基本满足较小系统的需要。</a:t>
+            </a:r>
+            <a:endParaRPr lang="zh-CN" altLang="en-US"/>
+          </a:p>
+        </p:txBody>
+      </p:sp>
+    </p:spTree>
+  </p:cSld>
+  <p:clrMapOvr>
+    <a:masterClrMapping/>
+  </p:clrMapOvr>
+</p:notes>
+</file>
+
+<file path=ppt/notesSlides/notesSlide2.xml><?xml version="1.0" encoding="utf-8"?>
+<p:notes xmlns:a="http://schemas.openxmlformats.org/drawingml/2006/main" xmlns:r="http://schemas.openxmlformats.org/officeDocument/2006/relationships" xmlns:p="http://schemas.openxmlformats.org/presentationml/2006/main">
+  <p:cSld>
+    <p:spTree>
+      <p:nvGrpSpPr>
+        <p:cNvPr id="1" name=""/>
+        <p:cNvGrpSpPr/>
+        <p:nvPr/>
+      </p:nvGrpSpPr>
+      <p:grpSpPr/>
+      <p:sp>
+        <p:nvSpPr>
+          <p:cNvPr id="2" name="幻灯片图像占位符 1"/>
+          <p:cNvSpPr>
+            <a:spLocks noGrp="1"/>
+          </p:cNvSpPr>
+          <p:nvPr>
+            <p:ph type="sldImg" idx="2"/>
+          </p:nvPr>
+        </p:nvSpPr>
+        <p:spPr/>
+      </p:sp>
+      <p:sp>
+        <p:nvSpPr>
+          <p:cNvPr id="3" name="文本占位符 2"/>
+          <p:cNvSpPr>
+            <a:spLocks noGrp="1"/>
+          </p:cNvSpPr>
+          <p:nvPr>
+            <p:ph type="body" idx="3"/>
+          </p:nvPr>
+        </p:nvSpPr>
+        <p:spPr/>
+        <p:txBody>
+          <a:bodyPr/>
+          <a:p>
+            <a:r>
+              <a:rPr lang="en-US" altLang="zh-CN"/>
+              <a:t>Rust</a:t>
+            </a:r>
+            <a:r>
+              <a:rPr lang="zh-CN" altLang="en-US"/>
+              <a:t>的所有权、生命周期等机制以及语言本身的严格性使得代码更不容易出错误，比如内存管理方面，</a:t>
+            </a:r>
+            <a:r>
+              <a:rPr lang="en-US" altLang="zh-CN"/>
+              <a:t>C</a:t>
+            </a:r>
+            <a:r>
+              <a:rPr lang="zh-CN" altLang="en-US"/>
+              <a:t>语言在涉及到动态内存时需要手动管理内存的申请和释放，而</a:t>
+            </a:r>
+            <a:r>
+              <a:rPr lang="en-US" altLang="zh-CN"/>
+              <a:t>Rust</a:t>
+            </a:r>
+            <a:r>
+              <a:rPr lang="zh-CN" altLang="en-US"/>
+              <a:t>不需要我们手动管理</a:t>
+            </a:r>
+            <a:endParaRPr lang="zh-CN" altLang="en-US"/>
+          </a:p>
+          <a:p>
+            <a:endParaRPr lang="en-US" altLang="zh-CN"/>
+          </a:p>
+          <a:p>
+            <a:r>
+              <a:rPr lang="en-US" altLang="zh-CN"/>
+              <a:t>freeRTOS</a:t>
+            </a:r>
+            <a:r>
+              <a:rPr lang="zh-CN" altLang="en-US"/>
+              <a:t>的内核虽然只有几个</a:t>
+            </a:r>
+            <a:r>
+              <a:rPr lang="en-US" altLang="zh-CN"/>
+              <a:t>C</a:t>
+            </a:r>
+            <a:r>
+              <a:rPr lang="zh-CN" altLang="en-US"/>
+              <a:t>文件，但代码结构还是不够清晰，以</a:t>
+            </a:r>
+            <a:r>
+              <a:rPr lang="en-US" altLang="zh-CN"/>
+              <a:t>task.c</a:t>
+            </a:r>
+            <a:r>
+              <a:rPr lang="zh-CN" altLang="en-US"/>
+              <a:t>为例，这个</a:t>
+            </a:r>
+            <a:r>
+              <a:rPr lang="en-US" altLang="zh-CN"/>
+              <a:t>C</a:t>
+            </a:r>
+            <a:r>
+              <a:rPr lang="zh-CN" altLang="en-US"/>
+              <a:t>文件有</a:t>
+            </a:r>
+            <a:r>
+              <a:rPr lang="en-US" altLang="zh-CN"/>
+              <a:t>5000</a:t>
+            </a:r>
+            <a:r>
+              <a:rPr lang="zh-CN" altLang="en-US"/>
+              <a:t>行，阅读起来还是比较麻烦的，但</a:t>
+            </a:r>
+            <a:r>
+              <a:rPr lang="en-US" altLang="zh-CN"/>
+              <a:t>task</a:t>
+            </a:r>
+            <a:r>
+              <a:rPr lang="zh-CN" altLang="en-US"/>
+              <a:t>模块本身拥有的函数还是有很明显的划分的，如可分为任务创建与删除，任务切换与调度，任务延时与同步</a:t>
+            </a:r>
+            <a:r>
+              <a:rPr lang="en-US" altLang="zh-CN"/>
+              <a:t> </a:t>
+            </a:r>
+            <a:r>
+              <a:rPr lang="zh-CN" altLang="en-US"/>
+              <a:t>等部分，借助</a:t>
+            </a:r>
+            <a:r>
+              <a:rPr lang="en-US" altLang="zh-CN"/>
+              <a:t>rust</a:t>
+            </a:r>
+            <a:r>
+              <a:rPr lang="zh-CN" altLang="en-US"/>
+              <a:t>的</a:t>
+            </a:r>
+            <a:r>
+              <a:rPr lang="en-US" altLang="zh-CN"/>
+              <a:t>mod</a:t>
+            </a:r>
+            <a:r>
+              <a:rPr lang="zh-CN" altLang="en-US"/>
+              <a:t>等语言特性，我们可以将这些模块再细分，这既便于维护又便于阅读。</a:t>
+            </a:r>
+            <a:endParaRPr lang="zh-CN" altLang="en-US"/>
+          </a:p>
+        </p:txBody>
+      </p:sp>
+    </p:spTree>
+  </p:cSld>
+  <p:clrMapOvr>
+    <a:masterClrMapping/>
+  </p:clrMapOvr>
+</p:notes>
+</file>
+
+<file path=ppt/notesSlides/notesSlide3.xml><?xml version="1.0" encoding="utf-8"?>
+<p:notes xmlns:a="http://schemas.openxmlformats.org/drawingml/2006/main" xmlns:r="http://schemas.openxmlformats.org/officeDocument/2006/relationships" xmlns:p="http://schemas.openxmlformats.org/presentationml/2006/main">
+  <p:cSld>
+    <p:spTree>
+      <p:nvGrpSpPr>
+        <p:cNvPr id="1" name=""/>
+        <p:cNvGrpSpPr/>
+        <p:nvPr/>
+      </p:nvGrpSpPr>
+      <p:grpSpPr/>
+      <p:sp>
+        <p:nvSpPr>
+          <p:cNvPr id="2" name="幻灯片图像占位符 1"/>
+          <p:cNvSpPr>
+            <a:spLocks noGrp="1"/>
+          </p:cNvSpPr>
+          <p:nvPr>
+            <p:ph type="sldImg" idx="2"/>
+          </p:nvPr>
+        </p:nvSpPr>
+        <p:spPr/>
+      </p:sp>
+      <p:sp>
+        <p:nvSpPr>
+          <p:cNvPr id="3" name="文本占位符 2"/>
+          <p:cNvSpPr>
+            <a:spLocks noGrp="1"/>
+          </p:cNvSpPr>
+          <p:nvPr>
+            <p:ph type="body" idx="3"/>
+          </p:nvPr>
+        </p:nvSpPr>
+        <p:spPr/>
+        <p:txBody>
+          <a:bodyPr/>
+          <a:p>
+            <a:r>
+              <a:rPr lang="zh-CN" altLang="en-US"/>
+              <a:t>当然，这个步骤中省略了很多细节问题，如</a:t>
+            </a:r>
+            <a:r>
+              <a:rPr lang="en-US" altLang="zh-CN"/>
+              <a:t>Bindgen</a:t>
+            </a:r>
+            <a:r>
+              <a:rPr lang="zh-CN" altLang="en-US"/>
+              <a:t>自动生成</a:t>
+            </a:r>
+            <a:r>
+              <a:rPr lang="en-US" altLang="zh-CN"/>
+              <a:t>FFI</a:t>
+            </a:r>
+            <a:r>
+              <a:rPr lang="zh-CN" altLang="en-US"/>
+              <a:t>时，可能会出现常量</a:t>
+            </a:r>
+            <a:r>
+              <a:rPr lang="en-US" altLang="zh-CN"/>
+              <a:t>multi-defined</a:t>
+            </a:r>
+            <a:r>
+              <a:rPr lang="zh-CN" altLang="en-US"/>
+              <a:t>的问题，这需要我们手动解决（</a:t>
+            </a:r>
+            <a:r>
+              <a:rPr lang="en-US" altLang="zh-CN"/>
+              <a:t>mustrust</a:t>
+            </a:r>
+            <a:r>
+              <a:rPr lang="zh-CN" altLang="en-US"/>
+              <a:t>给出了一些参考的解决方案）；再如</a:t>
+            </a:r>
+            <a:r>
+              <a:rPr lang="en-US" altLang="zh-CN"/>
+              <a:t>Bindgen</a:t>
+            </a:r>
+            <a:r>
+              <a:rPr lang="zh-CN" altLang="en-US"/>
+              <a:t>虽然让我们直接得到了</a:t>
+            </a:r>
+            <a:r>
+              <a:rPr lang="en-US" altLang="zh-CN"/>
+              <a:t>Rust</a:t>
+            </a:r>
+            <a:r>
+              <a:rPr lang="zh-CN" altLang="en-US"/>
+              <a:t>与</a:t>
+            </a:r>
+            <a:r>
+              <a:rPr lang="en-US" altLang="zh-CN"/>
+              <a:t>C</a:t>
+            </a:r>
+            <a:r>
+              <a:rPr lang="zh-CN" altLang="en-US"/>
+              <a:t>的语言对应关系，但这个关系并非完全符合期望，如</a:t>
+            </a:r>
+            <a:r>
+              <a:rPr lang="en-US" altLang="zh-CN"/>
+              <a:t>c</a:t>
+            </a:r>
+            <a:r>
+              <a:rPr lang="zh-CN" altLang="en-US"/>
+              <a:t>的</a:t>
+            </a:r>
+            <a:r>
+              <a:rPr lang="en-US" altLang="zh-CN"/>
+              <a:t>char</a:t>
+            </a:r>
+            <a:r>
+              <a:rPr lang="zh-CN" altLang="en-US"/>
+              <a:t>型在使用</a:t>
+            </a:r>
+            <a:r>
+              <a:rPr lang="en-US" altLang="zh-CN"/>
+              <a:t>Bindgen</a:t>
+            </a:r>
+            <a:r>
+              <a:rPr lang="zh-CN" altLang="en-US"/>
+              <a:t>后得到的</a:t>
+            </a:r>
+            <a:r>
+              <a:rPr lang="en-US" altLang="zh-CN"/>
+              <a:t>rust</a:t>
+            </a:r>
+            <a:r>
+              <a:rPr lang="zh-CN" altLang="en-US"/>
+              <a:t>对应类型是</a:t>
+            </a:r>
+            <a:r>
+              <a:rPr lang="en-US" altLang="zh-CN"/>
+              <a:t>u8 (</a:t>
+            </a:r>
+            <a:r>
+              <a:rPr lang="zh-CN" altLang="en-US"/>
+              <a:t>即</a:t>
+            </a:r>
+            <a:r>
+              <a:rPr lang="en-US" altLang="zh-CN"/>
+              <a:t>libc</a:t>
+            </a:r>
+            <a:r>
+              <a:rPr lang="zh-CN" altLang="en-US"/>
+              <a:t>中的</a:t>
+            </a:r>
+            <a:r>
+              <a:rPr lang="en-US" altLang="zh-CN"/>
+              <a:t>c_char)</a:t>
+            </a:r>
+            <a:r>
+              <a:rPr lang="zh-CN" altLang="en-US"/>
+              <a:t>，这使得</a:t>
+            </a:r>
+            <a:r>
+              <a:rPr lang="en-US" altLang="zh-CN"/>
+              <a:t>c</a:t>
+            </a:r>
+            <a:r>
+              <a:rPr lang="zh-CN" altLang="en-US"/>
+              <a:t>中的打印字符串字面值等函数无法直接在</a:t>
+            </a:r>
+            <a:r>
+              <a:rPr lang="en-US" altLang="zh-CN"/>
+              <a:t>rust</a:t>
+            </a:r>
+            <a:r>
+              <a:rPr lang="zh-CN" altLang="en-US"/>
+              <a:t>中调用得到期望的输出（即在</a:t>
+            </a:r>
+            <a:r>
+              <a:rPr lang="en-US" altLang="zh-CN"/>
+              <a:t>rust</a:t>
+            </a:r>
+            <a:r>
+              <a:rPr lang="zh-CN" altLang="en-US"/>
+              <a:t>中是当作数字输出的而非字面值）；再如</a:t>
+            </a:r>
+            <a:r>
+              <a:rPr lang="en-US" altLang="zh-CN"/>
+              <a:t>freeRTOS</a:t>
+            </a:r>
+            <a:r>
+              <a:rPr lang="zh-CN" altLang="en-US"/>
+              <a:t>中含有大量宏定义，宏函数，这些内容的</a:t>
+            </a:r>
+            <a:r>
+              <a:rPr lang="en-US" altLang="zh-CN"/>
+              <a:t>Bindgen</a:t>
+            </a:r>
+            <a:r>
+              <a:rPr lang="zh-CN" altLang="en-US"/>
+              <a:t>对应关系并不是很明确。</a:t>
+            </a:r>
+            <a:endParaRPr lang="zh-CN" altLang="en-US"/>
+          </a:p>
+        </p:txBody>
+      </p:sp>
+    </p:spTree>
+  </p:cSld>
+  <p:clrMapOvr>
+    <a:masterClrMapping/>
+  </p:clrMapOvr>
+</p:notes>
+</file>
+
+<file path=ppt/notesSlides/notesSlide4.xml><?xml version="1.0" encoding="utf-8"?>
+<p:notes xmlns:a="http://schemas.openxmlformats.org/drawingml/2006/main" xmlns:r="http://schemas.openxmlformats.org/officeDocument/2006/relationships" xmlns:p="http://schemas.openxmlformats.org/presentationml/2006/main">
+  <p:cSld>
+    <p:spTree>
+      <p:nvGrpSpPr>
+        <p:cNvPr id="1" name=""/>
+        <p:cNvGrpSpPr/>
+        <p:nvPr/>
+      </p:nvGrpSpPr>
+      <p:grpSpPr/>
+      <p:sp>
+        <p:nvSpPr>
+          <p:cNvPr id="2" name="幻灯片图像占位符 1"/>
+          <p:cNvSpPr>
+            <a:spLocks noGrp="1"/>
+          </p:cNvSpPr>
+          <p:nvPr>
+            <p:ph type="sldImg" idx="2"/>
+          </p:nvPr>
+        </p:nvSpPr>
+        <p:spPr/>
+      </p:sp>
+      <p:sp>
+        <p:nvSpPr>
+          <p:cNvPr id="3" name="文本占位符 2"/>
+          <p:cNvSpPr>
+            <a:spLocks noGrp="1"/>
+          </p:cNvSpPr>
+          <p:nvPr>
+            <p:ph type="body" idx="3"/>
+          </p:nvPr>
+        </p:nvSpPr>
+        <p:spPr/>
+        <p:txBody>
+          <a:bodyPr/>
+          <a:p>
+            <a:r>
+              <a:rPr lang="zh-CN" altLang="en-US"/>
+              <a:t>空闲钩子函数通常由用户实现，并命名为</a:t>
+            </a:r>
+            <a:r>
+              <a:rPr lang="en-US" altLang="zh-CN"/>
+              <a:t> vApplicationIdleHook()</a:t>
+            </a:r>
+            <a:r>
+              <a:rPr lang="zh-CN" altLang="en-US"/>
+              <a:t>。当系统没有其他就绪任务时，</a:t>
+            </a:r>
+            <a:r>
+              <a:rPr lang="en-US" altLang="zh-CN"/>
+              <a:t>FreeRTOS </a:t>
+            </a:r>
+            <a:r>
+              <a:rPr lang="zh-CN" altLang="en-US"/>
+              <a:t>的空闲任务会不断循环执行，并在每次循环中调用这个钩子函数，从而允许用户在</a:t>
+            </a:r>
+            <a:r>
+              <a:rPr lang="en-US" altLang="zh-CN"/>
+              <a:t> CPU </a:t>
+            </a:r>
+            <a:r>
+              <a:rPr lang="zh-CN" altLang="en-US"/>
+              <a:t>空闲时执行一些后台任务。</a:t>
+            </a:r>
+            <a:r>
+              <a:rPr lang="en-US" altLang="zh-CN"/>
+              <a:t> </a:t>
+            </a:r>
+            <a:endParaRPr lang="en-US" altLang="zh-CN"/>
+          </a:p>
+          <a:p>
+            <a:r>
+              <a:rPr lang="zh-CN" altLang="en-US"/>
+              <a:t>与静态内存分配相比，动态内存分配的灵活性更高，能够根据运行时的需求动态分配和释放内存，适应性强，适合内存需求变化的应用场景。同时，它通过在需要时分配内存，释放后再利用，提高了内存的使用效率，能够实现内存碎片统计、内存泄漏检测。</a:t>
+            </a:r>
+            <a:r>
+              <a:rPr lang="en-US" altLang="zh-CN"/>
+              <a:t> </a:t>
+            </a:r>
+            <a:r>
+              <a:rPr lang="zh-CN" altLang="en-US"/>
+              <a:t>鉴于我们使用</a:t>
+            </a:r>
+            <a:r>
+              <a:rPr lang="en-US" altLang="zh-CN"/>
+              <a:t>rust</a:t>
+            </a:r>
+            <a:r>
+              <a:rPr lang="zh-CN" altLang="en-US"/>
+              <a:t>进行内核的重构，可以利用</a:t>
+            </a:r>
+            <a:r>
+              <a:rPr lang="en-US" altLang="zh-CN"/>
+              <a:t>rust</a:t>
+            </a:r>
+            <a:r>
+              <a:rPr lang="zh-CN" altLang="en-US"/>
+              <a:t>的便捷性，直接用</a:t>
+            </a:r>
+            <a:r>
+              <a:rPr lang="en-US" altLang="zh-CN"/>
+              <a:t>rust</a:t>
+            </a:r>
+            <a:r>
+              <a:rPr lang="zh-CN" altLang="en-US"/>
+              <a:t>提供的全局内存分配器进行内存分配的优化。</a:t>
+            </a:r>
+            <a:endParaRPr lang="zh-CN" altLang="en-US"/>
+          </a:p>
+        </p:txBody>
+      </p:sp>
+    </p:spTree>
+  </p:cSld>
+  <p:clrMapOvr>
+    <a:masterClrMapping/>
+  </p:clrMapOvr>
+</p:notes>
+</file>
+
+<file path=ppt/notesSlides/notesSlide5.xml><?xml version="1.0" encoding="utf-8"?>
+<p:notes xmlns:a="http://schemas.openxmlformats.org/drawingml/2006/main" xmlns:r="http://schemas.openxmlformats.org/officeDocument/2006/relationships" xmlns:p="http://schemas.openxmlformats.org/presentationml/2006/main">
+  <p:cSld>
+    <p:spTree>
+      <p:nvGrpSpPr>
+        <p:cNvPr id="1" name=""/>
+        <p:cNvGrpSpPr/>
+        <p:nvPr/>
+      </p:nvGrpSpPr>
+      <p:grpSpPr/>
+      <p:sp>
+        <p:nvSpPr>
+          <p:cNvPr id="2" name="幻灯片图像占位符 1"/>
+          <p:cNvSpPr>
+            <a:spLocks noGrp="1"/>
+          </p:cNvSpPr>
+          <p:nvPr>
+            <p:ph type="sldImg" idx="2"/>
+          </p:nvPr>
+        </p:nvSpPr>
+        <p:spPr/>
+      </p:sp>
+      <p:sp>
+        <p:nvSpPr>
+          <p:cNvPr id="3" name="文本占位符 2"/>
+          <p:cNvSpPr>
+            <a:spLocks noGrp="1"/>
+          </p:cNvSpPr>
+          <p:nvPr>
+            <p:ph type="body" idx="3"/>
+          </p:nvPr>
+        </p:nvSpPr>
+        <p:spPr/>
+        <p:txBody>
+          <a:bodyPr/>
+          <a:p>
+            <a:r>
+              <a:rPr lang="zh-CN" altLang="en-US"/>
+              <a:t>集成步骤：</a:t>
+            </a:r>
+            <a:endParaRPr lang="zh-CN" altLang="en-US"/>
+          </a:p>
+          <a:p>
+            <a:endParaRPr lang="en-US" altLang="zh-CN"/>
+          </a:p>
+          <a:p>
+            <a:r>
+              <a:rPr lang="zh-CN" altLang="en-US"/>
+              <a:t>配置</a:t>
+            </a:r>
+            <a:r>
+              <a:rPr lang="en-US" altLang="zh-CN"/>
+              <a:t> FreeRTOS+TCP</a:t>
+            </a:r>
+            <a:r>
+              <a:rPr lang="zh-CN" altLang="en-US"/>
+              <a:t>：</a:t>
+            </a:r>
+            <a:r>
+              <a:rPr lang="en-US" altLang="zh-CN"/>
+              <a:t>​</a:t>
+            </a:r>
+            <a:r>
+              <a:rPr lang="zh-CN" altLang="en-US"/>
+              <a:t>根据项目需求，修改</a:t>
+            </a:r>
+            <a:r>
+              <a:rPr lang="en-US" altLang="zh-CN"/>
+              <a:t> FreeRTOSIPConfig.h </a:t>
+            </a:r>
+            <a:r>
+              <a:rPr lang="zh-CN" altLang="en-US"/>
+              <a:t>配置文件，设置网络参数和启用所需的协议。</a:t>
+            </a:r>
+            <a:endParaRPr lang="zh-CN" altLang="en-US"/>
+          </a:p>
+          <a:p>
+            <a:r>
+              <a:rPr lang="zh-CN" altLang="en-US"/>
+              <a:t>网络接口实现：</a:t>
+            </a:r>
+            <a:r>
+              <a:rPr lang="en-US" altLang="zh-CN"/>
+              <a:t>​</a:t>
+            </a:r>
+            <a:r>
+              <a:rPr lang="zh-CN" altLang="en-US"/>
+              <a:t>编写与硬件相关的网络接口驱动程序，确保与</a:t>
+            </a:r>
+            <a:r>
+              <a:rPr lang="en-US" altLang="zh-CN"/>
+              <a:t> FreeRTOS+TCP </a:t>
+            </a:r>
+            <a:r>
+              <a:rPr lang="zh-CN" altLang="en-US"/>
+              <a:t>的接口兼容。</a:t>
+            </a:r>
+            <a:endParaRPr lang="zh-CN" altLang="en-US"/>
+          </a:p>
+          <a:p>
+            <a:r>
+              <a:rPr lang="zh-CN" altLang="en-US"/>
+              <a:t>与</a:t>
+            </a:r>
+            <a:r>
+              <a:rPr lang="en-US" altLang="zh-CN"/>
+              <a:t> FreeRTOS </a:t>
+            </a:r>
+            <a:r>
+              <a:rPr lang="zh-CN" altLang="en-US"/>
+              <a:t>集成：</a:t>
+            </a:r>
+            <a:r>
+              <a:rPr lang="en-US" altLang="zh-CN"/>
+              <a:t>​</a:t>
+            </a:r>
+            <a:r>
+              <a:rPr lang="zh-CN" altLang="en-US"/>
+              <a:t>将</a:t>
+            </a:r>
+            <a:r>
+              <a:rPr lang="en-US" altLang="zh-CN"/>
+              <a:t> FreeRTOS+TCP </a:t>
+            </a:r>
+            <a:r>
+              <a:rPr lang="zh-CN" altLang="en-US"/>
+              <a:t>源码添加到</a:t>
+            </a:r>
+            <a:r>
+              <a:rPr lang="en-US" altLang="zh-CN"/>
+              <a:t> FreeRTOS </a:t>
+            </a:r>
+            <a:r>
+              <a:rPr lang="zh-CN" altLang="en-US"/>
+              <a:t>项目中，配置相关的任务和中断优先级。</a:t>
+            </a:r>
+            <a:r>
+              <a:rPr lang="en-US" altLang="zh-CN"/>
+              <a:t> </a:t>
+            </a:r>
+            <a:r>
+              <a:rPr lang="zh-CN" altLang="en-US"/>
+              <a:t>注意事项：</a:t>
+            </a:r>
+            <a:endParaRPr lang="zh-CN" altLang="en-US"/>
+          </a:p>
+          <a:p>
+            <a:r>
+              <a:rPr lang="zh-CN" altLang="en-US"/>
+              <a:t>官方支持：</a:t>
+            </a:r>
+            <a:r>
+              <a:rPr lang="en-US" altLang="zh-CN"/>
+              <a:t>​</a:t>
+            </a:r>
+            <a:r>
+              <a:rPr lang="zh-CN" altLang="en-US"/>
+              <a:t>作为</a:t>
+            </a:r>
+            <a:r>
+              <a:rPr lang="en-US" altLang="zh-CN"/>
+              <a:t> FreeRTOS </a:t>
+            </a:r>
+            <a:r>
+              <a:rPr lang="zh-CN" altLang="en-US"/>
+              <a:t>官方提供的协议栈，</a:t>
+            </a:r>
+            <a:r>
+              <a:rPr lang="en-US" altLang="zh-CN"/>
+              <a:t>FreeRTOS+TCP </a:t>
+            </a:r>
+            <a:r>
+              <a:rPr lang="zh-CN" altLang="en-US"/>
+              <a:t>在兼容性和支持方面具有优势。</a:t>
+            </a:r>
+            <a:endParaRPr lang="zh-CN" altLang="en-US"/>
+          </a:p>
+          <a:p>
+            <a:r>
+              <a:rPr lang="zh-CN" altLang="en-US"/>
+              <a:t>功能丰富：</a:t>
+            </a:r>
+            <a:r>
+              <a:rPr lang="en-US" altLang="zh-CN"/>
+              <a:t>​</a:t>
+            </a:r>
+            <a:r>
+              <a:rPr lang="zh-CN" altLang="en-US"/>
+              <a:t>支持多播、</a:t>
+            </a:r>
+            <a:r>
+              <a:rPr lang="en-US" altLang="zh-CN"/>
+              <a:t>IPv6</a:t>
+            </a:r>
+            <a:r>
+              <a:rPr lang="zh-CN" altLang="en-US"/>
+              <a:t>、零拷贝等特性，适用于功能需求较高的应用。</a:t>
+            </a:r>
+            <a:endParaRPr lang="zh-CN" altLang="en-US"/>
+          </a:p>
+          <a:p>
+            <a:r>
+              <a:rPr lang="zh-CN" altLang="en-US"/>
+              <a:t>实现思路</a:t>
+            </a:r>
+            <a:r>
+              <a:rPr lang="en-US" altLang="zh-CN"/>
+              <a:t>:</a:t>
+            </a:r>
+            <a:r>
+              <a:rPr lang="zh-CN" altLang="en-US"/>
+              <a:t>基于</a:t>
+            </a:r>
+            <a:r>
+              <a:rPr lang="en-US" altLang="zh-CN"/>
+              <a:t>FreeRTOS</a:t>
+            </a:r>
+            <a:r>
+              <a:rPr lang="zh-CN" altLang="en-US"/>
+              <a:t>的队列和串口驱动，解析输入命令</a:t>
+            </a:r>
+            <a:r>
+              <a:rPr lang="en-US" altLang="zh-CN"/>
+              <a:t> </a:t>
+            </a:r>
+            <a:r>
+              <a:rPr lang="zh-CN" altLang="en-US"/>
+              <a:t>所需知识</a:t>
+            </a:r>
+            <a:r>
+              <a:rPr lang="en-US" altLang="zh-CN"/>
+              <a:t>:</a:t>
+            </a:r>
+            <a:r>
+              <a:rPr lang="zh-CN" altLang="en-US"/>
+              <a:t>串口通信、字符串解析、任务状态查询</a:t>
+            </a:r>
+            <a:r>
+              <a:rPr lang="en-US" altLang="zh-CN"/>
+              <a:t>API</a:t>
+            </a:r>
+            <a:endParaRPr lang="en-US" altLang="zh-CN"/>
+          </a:p>
+          <a:p>
+            <a:endParaRPr lang="en-US" altLang="zh-CN"/>
+          </a:p>
+          <a:p>
+            <a:r>
+              <a:rPr lang="zh-CN" altLang="en-US"/>
+              <a:t>日志分级：支持分级日志</a:t>
+            </a:r>
+            <a:r>
+              <a:rPr lang="en-US" altLang="zh-CN"/>
+              <a:t>[</a:t>
+            </a:r>
+            <a:r>
+              <a:rPr lang="zh-CN" altLang="en-US"/>
+              <a:t>普通信息</a:t>
+            </a:r>
+            <a:r>
+              <a:rPr lang="en-US" altLang="zh-CN"/>
+              <a:t>INFO/</a:t>
+            </a:r>
+            <a:r>
+              <a:rPr lang="zh-CN" altLang="en-US"/>
+              <a:t>警告</a:t>
+            </a:r>
+            <a:r>
+              <a:rPr lang="en-US" altLang="zh-CN"/>
+              <a:t>WARN/</a:t>
+            </a:r>
+            <a:r>
+              <a:rPr lang="zh-CN" altLang="en-US"/>
+              <a:t>错误</a:t>
+            </a:r>
+            <a:r>
+              <a:rPr lang="en-US" altLang="zh-CN"/>
+              <a:t>ERROR/</a:t>
+            </a:r>
+            <a:r>
+              <a:rPr lang="zh-CN" altLang="en-US"/>
+              <a:t>调试信息</a:t>
+            </a:r>
+            <a:r>
+              <a:rPr lang="en-US" altLang="zh-CN"/>
+              <a:t>Debug] </a:t>
+            </a:r>
+            <a:r>
+              <a:rPr lang="zh-CN" altLang="en-US"/>
+              <a:t>输出目标：内存缓冲区（用于循环储存）、外部闪存（长期储存），也可以通过串口与</a:t>
+            </a:r>
+            <a:r>
+              <a:rPr lang="en-US" altLang="zh-CN"/>
+              <a:t>CLI</a:t>
+            </a:r>
+            <a:r>
+              <a:rPr lang="zh-CN" altLang="en-US"/>
+              <a:t>结合实现实时查看</a:t>
+            </a:r>
+            <a:r>
+              <a:rPr lang="en-US" altLang="zh-CN"/>
+              <a:t> </a:t>
+            </a:r>
+            <a:r>
+              <a:rPr lang="zh-CN" altLang="en-US"/>
+              <a:t>格式简化：时间戳</a:t>
+            </a:r>
+            <a:r>
+              <a:rPr lang="en-US" altLang="zh-CN"/>
+              <a:t> + </a:t>
+            </a:r>
+            <a:r>
+              <a:rPr lang="zh-CN" altLang="en-US"/>
+              <a:t>级别</a:t>
+            </a:r>
+            <a:r>
+              <a:rPr lang="en-US" altLang="zh-CN"/>
+              <a:t> + </a:t>
+            </a:r>
+            <a:r>
+              <a:rPr lang="zh-CN" altLang="en-US"/>
+              <a:t>消息（如</a:t>
+            </a:r>
+            <a:r>
+              <a:rPr lang="en-US" altLang="zh-CN"/>
+              <a:t> [12:30:45][INFO] Sensor data: 25</a:t>
+            </a:r>
+            <a:r>
+              <a:rPr lang="" altLang="en-US"/>
+              <a:t>°</a:t>
+            </a:r>
+            <a:r>
+              <a:rPr lang="en-US" altLang="zh-CN"/>
+              <a:t>C</a:t>
+            </a:r>
+            <a:r>
+              <a:rPr lang="zh-CN" altLang="en-US"/>
+              <a:t>）</a:t>
+            </a:r>
+            <a:r>
+              <a:rPr lang="en-US" altLang="zh-CN"/>
+              <a:t> </a:t>
+            </a:r>
+            <a:r>
+              <a:rPr lang="zh-CN" altLang="en-US"/>
+              <a:t>轻量化：资源占用要低，不能消耗太多内存或处理时间</a:t>
+            </a:r>
+            <a:endParaRPr lang="zh-CN" altLang="en-US"/>
+          </a:p>
+        </p:txBody>
+      </p:sp>
+    </p:spTree>
+  </p:cSld>
+  <p:clrMapOvr>
+    <a:masterClrMapping/>
+  </p:clrMapOvr>
+</p:notes>
 </file>
 
 <file path=ppt/slideLayouts/slideLayout1.xml><?xml version="1.0" encoding="utf-8"?>
@@ -3842,4 +5176,263 @@
     </a:ext>
   </a:extLst>
 </a:theme>
+</file>
+
+<file path=ppt/theme/theme2.xml><?xml version="1.0" encoding="utf-8"?>
+<a:theme xmlns:a="http://schemas.openxmlformats.org/drawingml/2006/main" name="Office 主题">
+  <a:themeElements>
+    <a:clrScheme name="Office">
+      <a:dk1>
+        <a:sysClr val="windowText" lastClr="000000"/>
+      </a:dk1>
+      <a:lt1>
+        <a:sysClr val="window" lastClr="FFFFFF"/>
+      </a:lt1>
+      <a:dk2>
+        <a:srgbClr val="44546A"/>
+      </a:dk2>
+      <a:lt2>
+        <a:srgbClr val="E7E6E6"/>
+      </a:lt2>
+      <a:accent1>
+        <a:srgbClr val="5B9BD5"/>
+      </a:accent1>
+      <a:accent2>
+        <a:srgbClr val="ED7D31"/>
+      </a:accent2>
+      <a:accent3>
+        <a:srgbClr val="A5A5A5"/>
+      </a:accent3>
+      <a:accent4>
+        <a:srgbClr val="FFC000"/>
+      </a:accent4>
+      <a:accent5>
+        <a:srgbClr val="4472C4"/>
+      </a:accent5>
+      <a:accent6>
+        <a:srgbClr val="70AD47"/>
+      </a:accent6>
+      <a:hlink>
+        <a:srgbClr val="0563C1"/>
+      </a:hlink>
+      <a:folHlink>
+        <a:srgbClr val="954F72"/>
+      </a:folHlink>
+    </a:clrScheme>
+    <a:fontScheme name="Office">
+      <a:majorFont>
+        <a:latin typeface="Calibri Light"/>
+        <a:ea typeface=""/>
+        <a:cs typeface=""/>
+        <a:font script="Jpan" typeface="ＭＳ Ｐゴシック"/>
+        <a:font script="Hang" typeface="맑은 고딕"/>
+        <a:font script="Hans" typeface="宋体"/>
+        <a:font script="Hant" typeface="新細明體"/>
+        <a:font script="Arab" typeface="Times New Roman"/>
+        <a:font script="Hebr" typeface="Times New Roman"/>
+        <a:font script="Thai" typeface="Angsana New"/>
+        <a:font script="Ethi" typeface="Nyala"/>
+        <a:font script="Beng" typeface="Vrinda"/>
+        <a:font script="Gujr" typeface="Shruti"/>
+        <a:font script="Khmr" typeface="MoolBoran"/>
+        <a:font script="Knda" typeface="Tunga"/>
+        <a:font script="Guru" typeface="Raavi"/>
+        <a:font script="Cans" typeface="Euphemia"/>
+        <a:font script="Cher" typeface="Plantagenet Cherokee"/>
+        <a:font script="Yiii" typeface="Microsoft Yi Baiti"/>
+        <a:font script="Tibt" typeface="Microsoft Himalaya"/>
+        <a:font script="Thaa" typeface="MV Boli"/>
+        <a:font script="Deva" typeface="Mangal"/>
+        <a:font script="Telu" typeface="Gautami"/>
+        <a:font script="Taml" typeface="Latha"/>
+        <a:font script="Syrc" typeface="Estrangelo Edessa"/>
+        <a:font script="Orya" typeface="Kalinga"/>
+        <a:font script="Mlym" typeface="Kartika"/>
+        <a:font script="Laoo" typeface="DokChampa"/>
+        <a:font script="Sinh" typeface="Iskoola Pota"/>
+        <a:font script="Mong" typeface="Mongolian Baiti"/>
+        <a:font script="Viet" typeface="Times New Roman"/>
+        <a:font script="Uigh" typeface="Microsoft Uighur"/>
+        <a:font script="Geor" typeface="Sylfaen"/>
+      </a:majorFont>
+      <a:minorFont>
+        <a:latin typeface="Calibri"/>
+        <a:ea typeface=""/>
+        <a:cs typeface=""/>
+        <a:font script="Jpan" typeface="ＭＳ Ｐゴシック"/>
+        <a:font script="Hang" typeface="맑은 고딕"/>
+        <a:font script="Hans" typeface="宋体"/>
+        <a:font script="Hant" typeface="新細明體"/>
+        <a:font script="Arab" typeface="Arial"/>
+        <a:font script="Hebr" typeface="Arial"/>
+        <a:font script="Thai" typeface="Cordia New"/>
+        <a:font script="Ethi" typeface="Nyala"/>
+        <a:font script="Beng" typeface="Vrinda"/>
+        <a:font script="Gujr" typeface="Shruti"/>
+        <a:font script="Khmr" typeface="DaunPenh"/>
+        <a:font script="Knda" typeface="Tunga"/>
+        <a:font script="Guru" typeface="Raavi"/>
+        <a:font script="Cans" typeface="Euphemia"/>
+        <a:font script="Cher" typeface="Plantagenet Cherokee"/>
+        <a:font script="Yiii" typeface="Microsoft Yi Baiti"/>
+        <a:font script="Tibt" typeface="Microsoft Himalaya"/>
+        <a:font script="Thaa" typeface="MV Boli"/>
+        <a:font script="Deva" typeface="Mangal"/>
+        <a:font script="Telu" typeface="Gautami"/>
+        <a:font script="Taml" typeface="Latha"/>
+        <a:font script="Syrc" typeface="Estrangelo Edessa"/>
+        <a:font script="Orya" typeface="Kalinga"/>
+        <a:font script="Mlym" typeface="Kartika"/>
+        <a:font script="Laoo" typeface="DokChampa"/>
+        <a:font script="Sinh" typeface="Iskoola Pota"/>
+        <a:font script="Mong" typeface="Mongolian Baiti"/>
+        <a:font script="Viet" typeface="Arial"/>
+        <a:font script="Uigh" typeface="Microsoft Uighur"/>
+        <a:font script="Geor" typeface="Sylfaen"/>
+      </a:minorFont>
+    </a:fontScheme>
+    <a:fmtScheme name="Office">
+      <a:fillStyleLst>
+        <a:solidFill>
+          <a:schemeClr val="phClr"/>
+        </a:solidFill>
+        <a:gradFill rotWithShape="1">
+          <a:gsLst>
+            <a:gs pos="0">
+              <a:schemeClr val="phClr">
+                <a:lumMod val="110000"/>
+                <a:satMod val="105000"/>
+                <a:tint val="67000"/>
+              </a:schemeClr>
+            </a:gs>
+            <a:gs pos="50000">
+              <a:schemeClr val="phClr">
+                <a:lumMod val="105000"/>
+                <a:satMod val="103000"/>
+                <a:tint val="73000"/>
+              </a:schemeClr>
+            </a:gs>
+            <a:gs pos="100000">
+              <a:schemeClr val="phClr">
+                <a:lumMod val="105000"/>
+                <a:satMod val="109000"/>
+                <a:tint val="81000"/>
+              </a:schemeClr>
+            </a:gs>
+          </a:gsLst>
+          <a:lin ang="5400000" scaled="0"/>
+        </a:gradFill>
+        <a:gradFill rotWithShape="1">
+          <a:gsLst>
+            <a:gs pos="0">
+              <a:schemeClr val="phClr">
+                <a:satMod val="103000"/>
+                <a:lumMod val="102000"/>
+                <a:tint val="94000"/>
+              </a:schemeClr>
+            </a:gs>
+            <a:gs pos="50000">
+              <a:schemeClr val="phClr">
+                <a:satMod val="110000"/>
+                <a:lumMod val="100000"/>
+                <a:shade val="100000"/>
+              </a:schemeClr>
+            </a:gs>
+            <a:gs pos="100000">
+              <a:schemeClr val="phClr">
+                <a:lumMod val="99000"/>
+                <a:satMod val="120000"/>
+                <a:shade val="78000"/>
+              </a:schemeClr>
+            </a:gs>
+          </a:gsLst>
+          <a:lin ang="5400000" scaled="0"/>
+        </a:gradFill>
+      </a:fillStyleLst>
+      <a:lnStyleLst>
+        <a:ln w="6350" cap="flat" cmpd="sng" algn="ctr">
+          <a:solidFill>
+            <a:schemeClr val="phClr"/>
+          </a:solidFill>
+          <a:prstDash val="solid"/>
+          <a:miter lim="800000"/>
+        </a:ln>
+        <a:ln w="12700" cap="flat" cmpd="sng" algn="ctr">
+          <a:solidFill>
+            <a:schemeClr val="phClr"/>
+          </a:solidFill>
+          <a:prstDash val="solid"/>
+          <a:miter lim="800000"/>
+        </a:ln>
+        <a:ln w="19050" cap="flat" cmpd="sng" algn="ctr">
+          <a:solidFill>
+            <a:schemeClr val="phClr"/>
+          </a:solidFill>
+          <a:prstDash val="solid"/>
+          <a:miter lim="800000"/>
+        </a:ln>
+      </a:lnStyleLst>
+      <a:effectStyleLst>
+        <a:effectStyle>
+          <a:effectLst/>
+        </a:effectStyle>
+        <a:effectStyle>
+          <a:effectLst/>
+        </a:effectStyle>
+        <a:effectStyle>
+          <a:effectLst>
+            <a:outerShdw blurRad="57150" dist="19050" dir="5400000" algn="ctr" rotWithShape="0">
+              <a:srgbClr val="000000">
+                <a:alpha val="63000"/>
+              </a:srgbClr>
+            </a:outerShdw>
+          </a:effectLst>
+        </a:effectStyle>
+      </a:effectStyleLst>
+      <a:bgFillStyleLst>
+        <a:solidFill>
+          <a:schemeClr val="phClr"/>
+        </a:solidFill>
+        <a:solidFill>
+          <a:schemeClr val="phClr">
+            <a:tint val="95000"/>
+            <a:satMod val="170000"/>
+          </a:schemeClr>
+        </a:solidFill>
+        <a:gradFill rotWithShape="1">
+          <a:gsLst>
+            <a:gs pos="0">
+              <a:schemeClr val="phClr">
+                <a:tint val="93000"/>
+                <a:satMod val="150000"/>
+                <a:shade val="98000"/>
+                <a:lumMod val="102000"/>
+              </a:schemeClr>
+            </a:gs>
+            <a:gs pos="50000">
+              <a:schemeClr val="phClr">
+                <a:tint val="98000"/>
+                <a:satMod val="130000"/>
+                <a:shade val="90000"/>
+                <a:lumMod val="103000"/>
+              </a:schemeClr>
+            </a:gs>
+            <a:gs pos="100000">
+              <a:schemeClr val="phClr">
+                <a:shade val="63000"/>
+                <a:satMod val="120000"/>
+              </a:schemeClr>
+            </a:gs>
+          </a:gsLst>
+          <a:lin ang="5400000" scaled="0"/>
+        </a:gradFill>
+      </a:bgFillStyleLst>
+    </a:fmtScheme>
+  </a:themeElements>
+  <a:extLst>
+    <a:ext uri="{05A4C25C-085E-4340-85A3-A5531E510DB2}">
+      <thm15:themeFamily xmlns:thm15="http://schemas.microsoft.com/office/thememl/2012/main" name="Office Theme" id="{62F939B6-93AF-4DB8-9C6B-D6C7DFDC589F}" vid="{4A3C46E8-61CC-4603-A589-7422A47A8E4A}"/>
+    </a:ext>
+  </a:extLst>
+</a:theme>
 </file>